--- a/moscowtraffic.pptx
+++ b/moscowtraffic.pptx
@@ -2,7 +2,7 @@
 <file path=ppt/presentation.xml><?xml version="1.0" encoding="utf-8"?>
 <p:presentation xmlns:a="http://schemas.openxmlformats.org/drawingml/2006/main" xmlns:r="http://schemas.openxmlformats.org/officeDocument/2006/relationships" xmlns:p="http://schemas.openxmlformats.org/presentationml/2006/main" saveSubsetFonts="1">
   <p:sldMasterIdLst>
-    <p:sldMasterId id="2147483648" r:id="rId1"/>
+    <p:sldMasterId id="2147483714" r:id="rId1"/>
   </p:sldMasterIdLst>
   <p:sldIdLst>
     <p:sldId id="256" r:id="rId2"/>
@@ -106,6 +106,11 @@
       </a:defRPr>
     </a:lvl9pPr>
   </p:defaultTextStyle>
+  <p:extLst>
+    <p:ext uri="{EFAFB233-063F-42B5-8137-9DF3F51BA10A}">
+      <p15:sldGuideLst xmlns:p15="http://schemas.microsoft.com/office/powerpoint/2012/main"/>
+    </p:ext>
+  </p:extLst>
 </p:presentation>
 </file>
 
@@ -131,7 +136,7 @@
           <p:cNvPr id="2" name="Заголовок 1">
             <a:extLst>
               <a:ext uri="{FF2B5EF4-FFF2-40B4-BE49-F238E27FC236}">
-                <a16:creationId xmlns:a16="http://schemas.microsoft.com/office/drawing/2014/main" id="{C1D6A48E-D49E-247C-9093-550F54E1C17D}"/>
+                <a16:creationId xmlns:a16="http://schemas.microsoft.com/office/drawing/2014/main" id="{2A7DAC41-E231-4D09-C47A-D2725659E8B3}"/>
               </a:ext>
             </a:extLst>
           </p:cNvPr>
@@ -168,7 +173,7 @@
           <p:cNvPr id="3" name="Подзаголовок 2">
             <a:extLst>
               <a:ext uri="{FF2B5EF4-FFF2-40B4-BE49-F238E27FC236}">
-                <a16:creationId xmlns:a16="http://schemas.microsoft.com/office/drawing/2014/main" id="{6620299B-DDD5-874B-9CE0-050CAD7FFFB2}"/>
+                <a16:creationId xmlns:a16="http://schemas.microsoft.com/office/drawing/2014/main" id="{D4F404ED-9571-7B64-1C8F-D89E82FED09A}"/>
               </a:ext>
             </a:extLst>
           </p:cNvPr>
@@ -238,7 +243,7 @@
           <p:cNvPr id="4" name="Дата 3">
             <a:extLst>
               <a:ext uri="{FF2B5EF4-FFF2-40B4-BE49-F238E27FC236}">
-                <a16:creationId xmlns:a16="http://schemas.microsoft.com/office/drawing/2014/main" id="{B4B802CC-BDF9-42A3-3582-41B3A54EB592}"/>
+                <a16:creationId xmlns:a16="http://schemas.microsoft.com/office/drawing/2014/main" id="{4619F9A7-1D35-FBC2-FE50-7A3BC737D53C}"/>
               </a:ext>
             </a:extLst>
           </p:cNvPr>
@@ -256,7 +261,7 @@
           <a:p>
             <a:fld id="{1E5F7F0F-5162-4C21-B583-CDF000B678EF}" type="datetimeFigureOut">
               <a:rPr lang="ru-RU" smtClean="0"/>
-              <a:t>02.10.2024</a:t>
+              <a:t>03.10.2024</a:t>
             </a:fld>
             <a:endParaRPr lang="ru-RU"/>
           </a:p>
@@ -267,7 +272,7 @@
           <p:cNvPr id="5" name="Нижний колонтитул 4">
             <a:extLst>
               <a:ext uri="{FF2B5EF4-FFF2-40B4-BE49-F238E27FC236}">
-                <a16:creationId xmlns:a16="http://schemas.microsoft.com/office/drawing/2014/main" id="{CDD8AE9E-9C1E-4D06-BA76-4590D90F4A30}"/>
+                <a16:creationId xmlns:a16="http://schemas.microsoft.com/office/drawing/2014/main" id="{91F8DAD7-62C9-52FF-8C94-D8A1C44802A3}"/>
               </a:ext>
             </a:extLst>
           </p:cNvPr>
@@ -292,7 +297,7 @@
           <p:cNvPr id="6" name="Номер слайда 5">
             <a:extLst>
               <a:ext uri="{FF2B5EF4-FFF2-40B4-BE49-F238E27FC236}">
-                <a16:creationId xmlns:a16="http://schemas.microsoft.com/office/drawing/2014/main" id="{CCC0FFD0-1749-415E-52AE-11FA9C8074D7}"/>
+                <a16:creationId xmlns:a16="http://schemas.microsoft.com/office/drawing/2014/main" id="{DBF0F6DD-13B7-0E6B-4423-953E931C6722}"/>
               </a:ext>
             </a:extLst>
           </p:cNvPr>
@@ -319,7 +324,7 @@
     </p:spTree>
     <p:extLst>
       <p:ext uri="{BB962C8B-B14F-4D97-AF65-F5344CB8AC3E}">
-        <p14:creationId xmlns:p14="http://schemas.microsoft.com/office/powerpoint/2010/main" val="2889352264"/>
+        <p14:creationId xmlns:p14="http://schemas.microsoft.com/office/powerpoint/2010/main" val="3274229711"/>
       </p:ext>
     </p:extLst>
   </p:cSld>
@@ -351,7 +356,7 @@
           <p:cNvPr id="2" name="Заголовок 1">
             <a:extLst>
               <a:ext uri="{FF2B5EF4-FFF2-40B4-BE49-F238E27FC236}">
-                <a16:creationId xmlns:a16="http://schemas.microsoft.com/office/drawing/2014/main" id="{EBC0DD05-8BFB-48BF-BC62-B2CCCDB29A34}"/>
+                <a16:creationId xmlns:a16="http://schemas.microsoft.com/office/drawing/2014/main" id="{73170392-AB48-BF71-B73A-F14848C4FD0E}"/>
               </a:ext>
             </a:extLst>
           </p:cNvPr>
@@ -379,7 +384,7 @@
           <p:cNvPr id="3" name="Вертикальный текст 2">
             <a:extLst>
               <a:ext uri="{FF2B5EF4-FFF2-40B4-BE49-F238E27FC236}">
-                <a16:creationId xmlns:a16="http://schemas.microsoft.com/office/drawing/2014/main" id="{93F48016-6B1E-4266-691E-A1549CC9C077}"/>
+                <a16:creationId xmlns:a16="http://schemas.microsoft.com/office/drawing/2014/main" id="{7C08AD04-EB18-F4E6-C57F-F74F492BF6F6}"/>
               </a:ext>
             </a:extLst>
           </p:cNvPr>
@@ -436,7 +441,7 @@
           <p:cNvPr id="4" name="Дата 3">
             <a:extLst>
               <a:ext uri="{FF2B5EF4-FFF2-40B4-BE49-F238E27FC236}">
-                <a16:creationId xmlns:a16="http://schemas.microsoft.com/office/drawing/2014/main" id="{AC958C1B-F21C-B8A3-7BB0-86CB40314BB0}"/>
+                <a16:creationId xmlns:a16="http://schemas.microsoft.com/office/drawing/2014/main" id="{D467E6FF-B30C-0ABA-04CC-4E35F302E183}"/>
               </a:ext>
             </a:extLst>
           </p:cNvPr>
@@ -454,7 +459,7 @@
           <a:p>
             <a:fld id="{1E5F7F0F-5162-4C21-B583-CDF000B678EF}" type="datetimeFigureOut">
               <a:rPr lang="ru-RU" smtClean="0"/>
-              <a:t>02.10.2024</a:t>
+              <a:t>03.10.2024</a:t>
             </a:fld>
             <a:endParaRPr lang="ru-RU"/>
           </a:p>
@@ -465,7 +470,7 @@
           <p:cNvPr id="5" name="Нижний колонтитул 4">
             <a:extLst>
               <a:ext uri="{FF2B5EF4-FFF2-40B4-BE49-F238E27FC236}">
-                <a16:creationId xmlns:a16="http://schemas.microsoft.com/office/drawing/2014/main" id="{2FDD1910-E8A5-1B9C-3699-1BA7D31088E0}"/>
+                <a16:creationId xmlns:a16="http://schemas.microsoft.com/office/drawing/2014/main" id="{D083DB41-BF61-F2AA-77F3-6B864DB457BF}"/>
               </a:ext>
             </a:extLst>
           </p:cNvPr>
@@ -490,7 +495,7 @@
           <p:cNvPr id="6" name="Номер слайда 5">
             <a:extLst>
               <a:ext uri="{FF2B5EF4-FFF2-40B4-BE49-F238E27FC236}">
-                <a16:creationId xmlns:a16="http://schemas.microsoft.com/office/drawing/2014/main" id="{44AFCDF4-4307-16FF-3F55-437A6DA1805B}"/>
+                <a16:creationId xmlns:a16="http://schemas.microsoft.com/office/drawing/2014/main" id="{4498ABA0-90FE-ED5B-2629-AE4A32285AF9}"/>
               </a:ext>
             </a:extLst>
           </p:cNvPr>
@@ -517,7 +522,7 @@
     </p:spTree>
     <p:extLst>
       <p:ext uri="{BB962C8B-B14F-4D97-AF65-F5344CB8AC3E}">
-        <p14:creationId xmlns:p14="http://schemas.microsoft.com/office/powerpoint/2010/main" val="3730181857"/>
+        <p14:creationId xmlns:p14="http://schemas.microsoft.com/office/powerpoint/2010/main" val="1705615622"/>
       </p:ext>
     </p:extLst>
   </p:cSld>
@@ -549,7 +554,7 @@
           <p:cNvPr id="2" name="Вертикальный заголовок 1">
             <a:extLst>
               <a:ext uri="{FF2B5EF4-FFF2-40B4-BE49-F238E27FC236}">
-                <a16:creationId xmlns:a16="http://schemas.microsoft.com/office/drawing/2014/main" id="{B33C11CF-C2EB-8F27-8E9B-B483CD94F65A}"/>
+                <a16:creationId xmlns:a16="http://schemas.microsoft.com/office/drawing/2014/main" id="{BB6627D2-CE0F-897E-CE3A-54C0A72C9D09}"/>
               </a:ext>
             </a:extLst>
           </p:cNvPr>
@@ -582,7 +587,7 @@
           <p:cNvPr id="3" name="Вертикальный текст 2">
             <a:extLst>
               <a:ext uri="{FF2B5EF4-FFF2-40B4-BE49-F238E27FC236}">
-                <a16:creationId xmlns:a16="http://schemas.microsoft.com/office/drawing/2014/main" id="{E1572D67-9E7B-0BBC-CB07-35973DD6A656}"/>
+                <a16:creationId xmlns:a16="http://schemas.microsoft.com/office/drawing/2014/main" id="{215C8712-B07D-2A52-21CB-9497DD8183DD}"/>
               </a:ext>
             </a:extLst>
           </p:cNvPr>
@@ -644,7 +649,7 @@
           <p:cNvPr id="4" name="Дата 3">
             <a:extLst>
               <a:ext uri="{FF2B5EF4-FFF2-40B4-BE49-F238E27FC236}">
-                <a16:creationId xmlns:a16="http://schemas.microsoft.com/office/drawing/2014/main" id="{93B02300-C890-615C-0DDA-B08ACC7242B1}"/>
+                <a16:creationId xmlns:a16="http://schemas.microsoft.com/office/drawing/2014/main" id="{D7F7818C-DDE3-2DCC-6C26-9FAF643EFA61}"/>
               </a:ext>
             </a:extLst>
           </p:cNvPr>
@@ -662,7 +667,7 @@
           <a:p>
             <a:fld id="{1E5F7F0F-5162-4C21-B583-CDF000B678EF}" type="datetimeFigureOut">
               <a:rPr lang="ru-RU" smtClean="0"/>
-              <a:t>02.10.2024</a:t>
+              <a:t>03.10.2024</a:t>
             </a:fld>
             <a:endParaRPr lang="ru-RU"/>
           </a:p>
@@ -673,7 +678,7 @@
           <p:cNvPr id="5" name="Нижний колонтитул 4">
             <a:extLst>
               <a:ext uri="{FF2B5EF4-FFF2-40B4-BE49-F238E27FC236}">
-                <a16:creationId xmlns:a16="http://schemas.microsoft.com/office/drawing/2014/main" id="{B27BFE81-9205-E4E3-A0F5-A842FF42AD6C}"/>
+                <a16:creationId xmlns:a16="http://schemas.microsoft.com/office/drawing/2014/main" id="{A19DE57A-E2E5-5B62-FE2D-7BEDD3132A29}"/>
               </a:ext>
             </a:extLst>
           </p:cNvPr>
@@ -698,7 +703,7 @@
           <p:cNvPr id="6" name="Номер слайда 5">
             <a:extLst>
               <a:ext uri="{FF2B5EF4-FFF2-40B4-BE49-F238E27FC236}">
-                <a16:creationId xmlns:a16="http://schemas.microsoft.com/office/drawing/2014/main" id="{13BC74CB-8FBB-2291-A73D-05524917F769}"/>
+                <a16:creationId xmlns:a16="http://schemas.microsoft.com/office/drawing/2014/main" id="{8217FEDF-F285-E1F0-4037-896F58B51791}"/>
               </a:ext>
             </a:extLst>
           </p:cNvPr>
@@ -725,7 +730,7 @@
     </p:spTree>
     <p:extLst>
       <p:ext uri="{BB962C8B-B14F-4D97-AF65-F5344CB8AC3E}">
-        <p14:creationId xmlns:p14="http://schemas.microsoft.com/office/powerpoint/2010/main" val="2860263368"/>
+        <p14:creationId xmlns:p14="http://schemas.microsoft.com/office/powerpoint/2010/main" val="792269765"/>
       </p:ext>
     </p:extLst>
   </p:cSld>
@@ -757,7 +762,7 @@
           <p:cNvPr id="2" name="Заголовок 1">
             <a:extLst>
               <a:ext uri="{FF2B5EF4-FFF2-40B4-BE49-F238E27FC236}">
-                <a16:creationId xmlns:a16="http://schemas.microsoft.com/office/drawing/2014/main" id="{0D047C9E-00BB-84C2-31C8-2EA64911DE8C}"/>
+                <a16:creationId xmlns:a16="http://schemas.microsoft.com/office/drawing/2014/main" id="{93DB8BB8-ECC2-FDC7-0F19-96CEAB852EBF}"/>
               </a:ext>
             </a:extLst>
           </p:cNvPr>
@@ -785,7 +790,7 @@
           <p:cNvPr id="3" name="Объект 2">
             <a:extLst>
               <a:ext uri="{FF2B5EF4-FFF2-40B4-BE49-F238E27FC236}">
-                <a16:creationId xmlns:a16="http://schemas.microsoft.com/office/drawing/2014/main" id="{E6FA9B4C-91FF-5E2F-6700-4FC09EBE47E5}"/>
+                <a16:creationId xmlns:a16="http://schemas.microsoft.com/office/drawing/2014/main" id="{18862400-44D6-8336-B19A-8BA6199DCBF4}"/>
               </a:ext>
             </a:extLst>
           </p:cNvPr>
@@ -842,7 +847,7 @@
           <p:cNvPr id="4" name="Дата 3">
             <a:extLst>
               <a:ext uri="{FF2B5EF4-FFF2-40B4-BE49-F238E27FC236}">
-                <a16:creationId xmlns:a16="http://schemas.microsoft.com/office/drawing/2014/main" id="{62C8CA93-659B-C365-6F8C-772825953F65}"/>
+                <a16:creationId xmlns:a16="http://schemas.microsoft.com/office/drawing/2014/main" id="{E27298DE-EEEC-C06C-CD51-4403EFD4944B}"/>
               </a:ext>
             </a:extLst>
           </p:cNvPr>
@@ -860,7 +865,7 @@
           <a:p>
             <a:fld id="{1E5F7F0F-5162-4C21-B583-CDF000B678EF}" type="datetimeFigureOut">
               <a:rPr lang="ru-RU" smtClean="0"/>
-              <a:t>02.10.2024</a:t>
+              <a:t>03.10.2024</a:t>
             </a:fld>
             <a:endParaRPr lang="ru-RU"/>
           </a:p>
@@ -871,7 +876,7 @@
           <p:cNvPr id="5" name="Нижний колонтитул 4">
             <a:extLst>
               <a:ext uri="{FF2B5EF4-FFF2-40B4-BE49-F238E27FC236}">
-                <a16:creationId xmlns:a16="http://schemas.microsoft.com/office/drawing/2014/main" id="{097ECEF7-0E02-EC32-9EAC-768FB76DD44E}"/>
+                <a16:creationId xmlns:a16="http://schemas.microsoft.com/office/drawing/2014/main" id="{117A427A-57C7-9FE8-9242-A31201CDF80B}"/>
               </a:ext>
             </a:extLst>
           </p:cNvPr>
@@ -896,7 +901,7 @@
           <p:cNvPr id="6" name="Номер слайда 5">
             <a:extLst>
               <a:ext uri="{FF2B5EF4-FFF2-40B4-BE49-F238E27FC236}">
-                <a16:creationId xmlns:a16="http://schemas.microsoft.com/office/drawing/2014/main" id="{A1F401E1-EDC9-E0DA-B2D3-FDB65277ABC0}"/>
+                <a16:creationId xmlns:a16="http://schemas.microsoft.com/office/drawing/2014/main" id="{8E70A698-17A0-343E-C4D2-C8D1BB3B1D58}"/>
               </a:ext>
             </a:extLst>
           </p:cNvPr>
@@ -923,7 +928,7 @@
     </p:spTree>
     <p:extLst>
       <p:ext uri="{BB962C8B-B14F-4D97-AF65-F5344CB8AC3E}">
-        <p14:creationId xmlns:p14="http://schemas.microsoft.com/office/powerpoint/2010/main" val="1836316378"/>
+        <p14:creationId xmlns:p14="http://schemas.microsoft.com/office/powerpoint/2010/main" val="784416975"/>
       </p:ext>
     </p:extLst>
   </p:cSld>
@@ -955,7 +960,7 @@
           <p:cNvPr id="2" name="Заголовок 1">
             <a:extLst>
               <a:ext uri="{FF2B5EF4-FFF2-40B4-BE49-F238E27FC236}">
-                <a16:creationId xmlns:a16="http://schemas.microsoft.com/office/drawing/2014/main" id="{36698343-3DA6-0C24-19F4-DD8CD2802999}"/>
+                <a16:creationId xmlns:a16="http://schemas.microsoft.com/office/drawing/2014/main" id="{DD5CA0F8-5F1E-58BD-D6ED-1414A3628CDC}"/>
               </a:ext>
             </a:extLst>
           </p:cNvPr>
@@ -992,7 +997,7 @@
           <p:cNvPr id="3" name="Текст 2">
             <a:extLst>
               <a:ext uri="{FF2B5EF4-FFF2-40B4-BE49-F238E27FC236}">
-                <a16:creationId xmlns:a16="http://schemas.microsoft.com/office/drawing/2014/main" id="{D8091448-7DC8-7A5D-DDC0-00010C4893EB}"/>
+                <a16:creationId xmlns:a16="http://schemas.microsoft.com/office/drawing/2014/main" id="{0D871CDD-9B0D-C597-EDD3-64EB6CA375FE}"/>
               </a:ext>
             </a:extLst>
           </p:cNvPr>
@@ -1117,7 +1122,7 @@
           <p:cNvPr id="4" name="Дата 3">
             <a:extLst>
               <a:ext uri="{FF2B5EF4-FFF2-40B4-BE49-F238E27FC236}">
-                <a16:creationId xmlns:a16="http://schemas.microsoft.com/office/drawing/2014/main" id="{77343946-1D2B-6787-9386-93F542B821F8}"/>
+                <a16:creationId xmlns:a16="http://schemas.microsoft.com/office/drawing/2014/main" id="{1F5008B9-FB9D-9DCA-B6EF-303F754A6FA3}"/>
               </a:ext>
             </a:extLst>
           </p:cNvPr>
@@ -1135,7 +1140,7 @@
           <a:p>
             <a:fld id="{1E5F7F0F-5162-4C21-B583-CDF000B678EF}" type="datetimeFigureOut">
               <a:rPr lang="ru-RU" smtClean="0"/>
-              <a:t>02.10.2024</a:t>
+              <a:t>03.10.2024</a:t>
             </a:fld>
             <a:endParaRPr lang="ru-RU"/>
           </a:p>
@@ -1146,7 +1151,7 @@
           <p:cNvPr id="5" name="Нижний колонтитул 4">
             <a:extLst>
               <a:ext uri="{FF2B5EF4-FFF2-40B4-BE49-F238E27FC236}">
-                <a16:creationId xmlns:a16="http://schemas.microsoft.com/office/drawing/2014/main" id="{1F25DEF1-8C6E-E814-BC76-D485B17BE0D3}"/>
+                <a16:creationId xmlns:a16="http://schemas.microsoft.com/office/drawing/2014/main" id="{8C0FBA43-7C1C-659A-CC70-D7706FAA4F72}"/>
               </a:ext>
             </a:extLst>
           </p:cNvPr>
@@ -1171,7 +1176,7 @@
           <p:cNvPr id="6" name="Номер слайда 5">
             <a:extLst>
               <a:ext uri="{FF2B5EF4-FFF2-40B4-BE49-F238E27FC236}">
-                <a16:creationId xmlns:a16="http://schemas.microsoft.com/office/drawing/2014/main" id="{C7271F41-BB46-A966-ABC2-E7944D4E8BB8}"/>
+                <a16:creationId xmlns:a16="http://schemas.microsoft.com/office/drawing/2014/main" id="{412E3AE9-10D0-30D0-50FD-1E8529715A52}"/>
               </a:ext>
             </a:extLst>
           </p:cNvPr>
@@ -1198,7 +1203,7 @@
     </p:spTree>
     <p:extLst>
       <p:ext uri="{BB962C8B-B14F-4D97-AF65-F5344CB8AC3E}">
-        <p14:creationId xmlns:p14="http://schemas.microsoft.com/office/powerpoint/2010/main" val="4046976915"/>
+        <p14:creationId xmlns:p14="http://schemas.microsoft.com/office/powerpoint/2010/main" val="3755751131"/>
       </p:ext>
     </p:extLst>
   </p:cSld>
@@ -1230,7 +1235,7 @@
           <p:cNvPr id="2" name="Заголовок 1">
             <a:extLst>
               <a:ext uri="{FF2B5EF4-FFF2-40B4-BE49-F238E27FC236}">
-                <a16:creationId xmlns:a16="http://schemas.microsoft.com/office/drawing/2014/main" id="{8337F600-6950-3C09-EA9D-3F7BE7A3AB71}"/>
+                <a16:creationId xmlns:a16="http://schemas.microsoft.com/office/drawing/2014/main" id="{F04DD264-4C09-386A-A15C-0B37B7D1DC39}"/>
               </a:ext>
             </a:extLst>
           </p:cNvPr>
@@ -1258,7 +1263,7 @@
           <p:cNvPr id="3" name="Объект 2">
             <a:extLst>
               <a:ext uri="{FF2B5EF4-FFF2-40B4-BE49-F238E27FC236}">
-                <a16:creationId xmlns:a16="http://schemas.microsoft.com/office/drawing/2014/main" id="{170CCDB0-6DF3-AE45-179E-EBA199EB9C7A}"/>
+                <a16:creationId xmlns:a16="http://schemas.microsoft.com/office/drawing/2014/main" id="{7406262B-E40C-F69D-D548-4AE1E3339456}"/>
               </a:ext>
             </a:extLst>
           </p:cNvPr>
@@ -1320,7 +1325,7 @@
           <p:cNvPr id="4" name="Объект 3">
             <a:extLst>
               <a:ext uri="{FF2B5EF4-FFF2-40B4-BE49-F238E27FC236}">
-                <a16:creationId xmlns:a16="http://schemas.microsoft.com/office/drawing/2014/main" id="{2E86A3A5-F47D-E249-765C-E3AB4A823235}"/>
+                <a16:creationId xmlns:a16="http://schemas.microsoft.com/office/drawing/2014/main" id="{B4E9431A-F86C-F117-9052-5CCA074BE2BA}"/>
               </a:ext>
             </a:extLst>
           </p:cNvPr>
@@ -1382,7 +1387,7 @@
           <p:cNvPr id="5" name="Дата 4">
             <a:extLst>
               <a:ext uri="{FF2B5EF4-FFF2-40B4-BE49-F238E27FC236}">
-                <a16:creationId xmlns:a16="http://schemas.microsoft.com/office/drawing/2014/main" id="{4775BD00-6D5F-4ECB-DD97-021E74ED6E06}"/>
+                <a16:creationId xmlns:a16="http://schemas.microsoft.com/office/drawing/2014/main" id="{962523F8-EEE5-1AC7-C615-D368E1438609}"/>
               </a:ext>
             </a:extLst>
           </p:cNvPr>
@@ -1400,7 +1405,7 @@
           <a:p>
             <a:fld id="{1E5F7F0F-5162-4C21-B583-CDF000B678EF}" type="datetimeFigureOut">
               <a:rPr lang="ru-RU" smtClean="0"/>
-              <a:t>02.10.2024</a:t>
+              <a:t>03.10.2024</a:t>
             </a:fld>
             <a:endParaRPr lang="ru-RU"/>
           </a:p>
@@ -1411,7 +1416,7 @@
           <p:cNvPr id="6" name="Нижний колонтитул 5">
             <a:extLst>
               <a:ext uri="{FF2B5EF4-FFF2-40B4-BE49-F238E27FC236}">
-                <a16:creationId xmlns:a16="http://schemas.microsoft.com/office/drawing/2014/main" id="{05116C1E-A75C-EA58-D857-7A6C5ED6FCB3}"/>
+                <a16:creationId xmlns:a16="http://schemas.microsoft.com/office/drawing/2014/main" id="{EA80A108-7E1E-EA48-A98B-61A13D0BA92D}"/>
               </a:ext>
             </a:extLst>
           </p:cNvPr>
@@ -1436,7 +1441,7 @@
           <p:cNvPr id="7" name="Номер слайда 6">
             <a:extLst>
               <a:ext uri="{FF2B5EF4-FFF2-40B4-BE49-F238E27FC236}">
-                <a16:creationId xmlns:a16="http://schemas.microsoft.com/office/drawing/2014/main" id="{40275932-50BA-F1EA-5CE2-5F2CE34C50E3}"/>
+                <a16:creationId xmlns:a16="http://schemas.microsoft.com/office/drawing/2014/main" id="{F1225277-3205-F111-4FD2-D85BA0F09349}"/>
               </a:ext>
             </a:extLst>
           </p:cNvPr>
@@ -1463,7 +1468,7 @@
     </p:spTree>
     <p:extLst>
       <p:ext uri="{BB962C8B-B14F-4D97-AF65-F5344CB8AC3E}">
-        <p14:creationId xmlns:p14="http://schemas.microsoft.com/office/powerpoint/2010/main" val="2623934562"/>
+        <p14:creationId xmlns:p14="http://schemas.microsoft.com/office/powerpoint/2010/main" val="2790452265"/>
       </p:ext>
     </p:extLst>
   </p:cSld>
@@ -1495,7 +1500,7 @@
           <p:cNvPr id="2" name="Заголовок 1">
             <a:extLst>
               <a:ext uri="{FF2B5EF4-FFF2-40B4-BE49-F238E27FC236}">
-                <a16:creationId xmlns:a16="http://schemas.microsoft.com/office/drawing/2014/main" id="{1A4184B9-457F-96FF-C4A2-047FDE3012A3}"/>
+                <a16:creationId xmlns:a16="http://schemas.microsoft.com/office/drawing/2014/main" id="{1DC19979-7E99-62C1-B1E5-349E9D68979F}"/>
               </a:ext>
             </a:extLst>
           </p:cNvPr>
@@ -1528,7 +1533,7 @@
           <p:cNvPr id="3" name="Текст 2">
             <a:extLst>
               <a:ext uri="{FF2B5EF4-FFF2-40B4-BE49-F238E27FC236}">
-                <a16:creationId xmlns:a16="http://schemas.microsoft.com/office/drawing/2014/main" id="{106444B2-94A3-12AB-B330-3FBED7E2DEC6}"/>
+                <a16:creationId xmlns:a16="http://schemas.microsoft.com/office/drawing/2014/main" id="{C29BBF7F-53BF-12C1-FFEB-C33AC4D0EDDF}"/>
               </a:ext>
             </a:extLst>
           </p:cNvPr>
@@ -1599,7 +1604,7 @@
           <p:cNvPr id="4" name="Объект 3">
             <a:extLst>
               <a:ext uri="{FF2B5EF4-FFF2-40B4-BE49-F238E27FC236}">
-                <a16:creationId xmlns:a16="http://schemas.microsoft.com/office/drawing/2014/main" id="{B8571875-E1CB-F130-DDE5-931F543BD770}"/>
+                <a16:creationId xmlns:a16="http://schemas.microsoft.com/office/drawing/2014/main" id="{9181329C-1973-82A1-5B66-D560EA7F2B05}"/>
               </a:ext>
             </a:extLst>
           </p:cNvPr>
@@ -1661,7 +1666,7 @@
           <p:cNvPr id="5" name="Текст 4">
             <a:extLst>
               <a:ext uri="{FF2B5EF4-FFF2-40B4-BE49-F238E27FC236}">
-                <a16:creationId xmlns:a16="http://schemas.microsoft.com/office/drawing/2014/main" id="{1BF4C467-4FEE-493A-E44F-6DF479DD40C9}"/>
+                <a16:creationId xmlns:a16="http://schemas.microsoft.com/office/drawing/2014/main" id="{8CADC315-6A3F-9E38-F9AB-84901ABD5BA6}"/>
               </a:ext>
             </a:extLst>
           </p:cNvPr>
@@ -1732,7 +1737,7 @@
           <p:cNvPr id="6" name="Объект 5">
             <a:extLst>
               <a:ext uri="{FF2B5EF4-FFF2-40B4-BE49-F238E27FC236}">
-                <a16:creationId xmlns:a16="http://schemas.microsoft.com/office/drawing/2014/main" id="{BBD94514-EAC5-5DBC-8498-39DFC69A52E7}"/>
+                <a16:creationId xmlns:a16="http://schemas.microsoft.com/office/drawing/2014/main" id="{A07BCF59-F869-A6A9-B410-085FC1A4B992}"/>
               </a:ext>
             </a:extLst>
           </p:cNvPr>
@@ -1794,7 +1799,7 @@
           <p:cNvPr id="7" name="Дата 6">
             <a:extLst>
               <a:ext uri="{FF2B5EF4-FFF2-40B4-BE49-F238E27FC236}">
-                <a16:creationId xmlns:a16="http://schemas.microsoft.com/office/drawing/2014/main" id="{CC8DBEE3-6FB8-B069-DD73-3D80BC98B266}"/>
+                <a16:creationId xmlns:a16="http://schemas.microsoft.com/office/drawing/2014/main" id="{0A8A7C48-C959-F544-840E-859162658491}"/>
               </a:ext>
             </a:extLst>
           </p:cNvPr>
@@ -1812,7 +1817,7 @@
           <a:p>
             <a:fld id="{1E5F7F0F-5162-4C21-B583-CDF000B678EF}" type="datetimeFigureOut">
               <a:rPr lang="ru-RU" smtClean="0"/>
-              <a:t>02.10.2024</a:t>
+              <a:t>03.10.2024</a:t>
             </a:fld>
             <a:endParaRPr lang="ru-RU"/>
           </a:p>
@@ -1823,7 +1828,7 @@
           <p:cNvPr id="8" name="Нижний колонтитул 7">
             <a:extLst>
               <a:ext uri="{FF2B5EF4-FFF2-40B4-BE49-F238E27FC236}">
-                <a16:creationId xmlns:a16="http://schemas.microsoft.com/office/drawing/2014/main" id="{3994D828-7FAA-F0D5-DEAB-249C1F5774CD}"/>
+                <a16:creationId xmlns:a16="http://schemas.microsoft.com/office/drawing/2014/main" id="{19210C27-F94B-BE91-3A48-BE592F0CA935}"/>
               </a:ext>
             </a:extLst>
           </p:cNvPr>
@@ -1848,7 +1853,7 @@
           <p:cNvPr id="9" name="Номер слайда 8">
             <a:extLst>
               <a:ext uri="{FF2B5EF4-FFF2-40B4-BE49-F238E27FC236}">
-                <a16:creationId xmlns:a16="http://schemas.microsoft.com/office/drawing/2014/main" id="{237721D5-2572-4F5A-E55C-66C925294227}"/>
+                <a16:creationId xmlns:a16="http://schemas.microsoft.com/office/drawing/2014/main" id="{AD624C60-6F4E-840A-9F8C-9C2FEFC76786}"/>
               </a:ext>
             </a:extLst>
           </p:cNvPr>
@@ -1875,7 +1880,7 @@
     </p:spTree>
     <p:extLst>
       <p:ext uri="{BB962C8B-B14F-4D97-AF65-F5344CB8AC3E}">
-        <p14:creationId xmlns:p14="http://schemas.microsoft.com/office/powerpoint/2010/main" val="3501474949"/>
+        <p14:creationId xmlns:p14="http://schemas.microsoft.com/office/powerpoint/2010/main" val="1915663763"/>
       </p:ext>
     </p:extLst>
   </p:cSld>
@@ -1907,7 +1912,7 @@
           <p:cNvPr id="2" name="Заголовок 1">
             <a:extLst>
               <a:ext uri="{FF2B5EF4-FFF2-40B4-BE49-F238E27FC236}">
-                <a16:creationId xmlns:a16="http://schemas.microsoft.com/office/drawing/2014/main" id="{3773C9D8-23B7-1BEC-AA43-6DA5F9CF07D9}"/>
+                <a16:creationId xmlns:a16="http://schemas.microsoft.com/office/drawing/2014/main" id="{891F3142-5B5F-82BF-B677-216A86496E06}"/>
               </a:ext>
             </a:extLst>
           </p:cNvPr>
@@ -1935,7 +1940,7 @@
           <p:cNvPr id="3" name="Дата 2">
             <a:extLst>
               <a:ext uri="{FF2B5EF4-FFF2-40B4-BE49-F238E27FC236}">
-                <a16:creationId xmlns:a16="http://schemas.microsoft.com/office/drawing/2014/main" id="{8959C06C-E6DB-8535-8DC6-72905A1366B6}"/>
+                <a16:creationId xmlns:a16="http://schemas.microsoft.com/office/drawing/2014/main" id="{89645E47-FE7B-E895-DD17-4D096DD2A6A3}"/>
               </a:ext>
             </a:extLst>
           </p:cNvPr>
@@ -1953,7 +1958,7 @@
           <a:p>
             <a:fld id="{1E5F7F0F-5162-4C21-B583-CDF000B678EF}" type="datetimeFigureOut">
               <a:rPr lang="ru-RU" smtClean="0"/>
-              <a:t>02.10.2024</a:t>
+              <a:t>03.10.2024</a:t>
             </a:fld>
             <a:endParaRPr lang="ru-RU"/>
           </a:p>
@@ -1964,7 +1969,7 @@
           <p:cNvPr id="4" name="Нижний колонтитул 3">
             <a:extLst>
               <a:ext uri="{FF2B5EF4-FFF2-40B4-BE49-F238E27FC236}">
-                <a16:creationId xmlns:a16="http://schemas.microsoft.com/office/drawing/2014/main" id="{F73115A7-42D9-A666-38E0-1B21FC18B629}"/>
+                <a16:creationId xmlns:a16="http://schemas.microsoft.com/office/drawing/2014/main" id="{EEE8BC21-37C0-EB18-849B-839136181719}"/>
               </a:ext>
             </a:extLst>
           </p:cNvPr>
@@ -1989,7 +1994,7 @@
           <p:cNvPr id="5" name="Номер слайда 4">
             <a:extLst>
               <a:ext uri="{FF2B5EF4-FFF2-40B4-BE49-F238E27FC236}">
-                <a16:creationId xmlns:a16="http://schemas.microsoft.com/office/drawing/2014/main" id="{0AEA613E-661F-E670-D50C-6A4C082FBAB3}"/>
+                <a16:creationId xmlns:a16="http://schemas.microsoft.com/office/drawing/2014/main" id="{D199EA46-CDB2-8500-D7D5-6BF05202F5EE}"/>
               </a:ext>
             </a:extLst>
           </p:cNvPr>
@@ -2016,7 +2021,7 @@
     </p:spTree>
     <p:extLst>
       <p:ext uri="{BB962C8B-B14F-4D97-AF65-F5344CB8AC3E}">
-        <p14:creationId xmlns:p14="http://schemas.microsoft.com/office/powerpoint/2010/main" val="637016124"/>
+        <p14:creationId xmlns:p14="http://schemas.microsoft.com/office/powerpoint/2010/main" val="4122692526"/>
       </p:ext>
     </p:extLst>
   </p:cSld>
@@ -2048,7 +2053,7 @@
           <p:cNvPr id="2" name="Дата 1">
             <a:extLst>
               <a:ext uri="{FF2B5EF4-FFF2-40B4-BE49-F238E27FC236}">
-                <a16:creationId xmlns:a16="http://schemas.microsoft.com/office/drawing/2014/main" id="{F7AE18C1-3910-5CE9-5BE2-2779B17C869E}"/>
+                <a16:creationId xmlns:a16="http://schemas.microsoft.com/office/drawing/2014/main" id="{BC4A86A6-4D99-2ACC-BDA1-2F9F27ADD3D3}"/>
               </a:ext>
             </a:extLst>
           </p:cNvPr>
@@ -2066,7 +2071,7 @@
           <a:p>
             <a:fld id="{1E5F7F0F-5162-4C21-B583-CDF000B678EF}" type="datetimeFigureOut">
               <a:rPr lang="ru-RU" smtClean="0"/>
-              <a:t>02.10.2024</a:t>
+              <a:t>03.10.2024</a:t>
             </a:fld>
             <a:endParaRPr lang="ru-RU"/>
           </a:p>
@@ -2077,7 +2082,7 @@
           <p:cNvPr id="3" name="Нижний колонтитул 2">
             <a:extLst>
               <a:ext uri="{FF2B5EF4-FFF2-40B4-BE49-F238E27FC236}">
-                <a16:creationId xmlns:a16="http://schemas.microsoft.com/office/drawing/2014/main" id="{CBF3B1E8-25D1-4DFE-46DA-D968F7937C28}"/>
+                <a16:creationId xmlns:a16="http://schemas.microsoft.com/office/drawing/2014/main" id="{BFEFE702-5235-D6CF-75C6-C658E3497FA2}"/>
               </a:ext>
             </a:extLst>
           </p:cNvPr>
@@ -2102,7 +2107,7 @@
           <p:cNvPr id="4" name="Номер слайда 3">
             <a:extLst>
               <a:ext uri="{FF2B5EF4-FFF2-40B4-BE49-F238E27FC236}">
-                <a16:creationId xmlns:a16="http://schemas.microsoft.com/office/drawing/2014/main" id="{8C7D9534-B442-3818-9EB2-0EE7F9EE1761}"/>
+                <a16:creationId xmlns:a16="http://schemas.microsoft.com/office/drawing/2014/main" id="{123A092D-4A07-0888-E3EB-DEB3926BB0CB}"/>
               </a:ext>
             </a:extLst>
           </p:cNvPr>
@@ -2129,7 +2134,7 @@
     </p:spTree>
     <p:extLst>
       <p:ext uri="{BB962C8B-B14F-4D97-AF65-F5344CB8AC3E}">
-        <p14:creationId xmlns:p14="http://schemas.microsoft.com/office/powerpoint/2010/main" val="2718965034"/>
+        <p14:creationId xmlns:p14="http://schemas.microsoft.com/office/powerpoint/2010/main" val="2464561017"/>
       </p:ext>
     </p:extLst>
   </p:cSld>
@@ -2161,7 +2166,7 @@
           <p:cNvPr id="2" name="Заголовок 1">
             <a:extLst>
               <a:ext uri="{FF2B5EF4-FFF2-40B4-BE49-F238E27FC236}">
-                <a16:creationId xmlns:a16="http://schemas.microsoft.com/office/drawing/2014/main" id="{A6CD8A5E-CFF1-49F7-3ADC-10A01274C363}"/>
+                <a16:creationId xmlns:a16="http://schemas.microsoft.com/office/drawing/2014/main" id="{9E06B154-E7A5-EE59-64F1-6CF437B150BC}"/>
               </a:ext>
             </a:extLst>
           </p:cNvPr>
@@ -2198,7 +2203,7 @@
           <p:cNvPr id="3" name="Объект 2">
             <a:extLst>
               <a:ext uri="{FF2B5EF4-FFF2-40B4-BE49-F238E27FC236}">
-                <a16:creationId xmlns:a16="http://schemas.microsoft.com/office/drawing/2014/main" id="{6E57DC6F-F137-F07A-1D16-3720857AD25B}"/>
+                <a16:creationId xmlns:a16="http://schemas.microsoft.com/office/drawing/2014/main" id="{6533B2E3-2831-8FA7-09BC-A4132E22FC8E}"/>
               </a:ext>
             </a:extLst>
           </p:cNvPr>
@@ -2288,7 +2293,7 @@
           <p:cNvPr id="4" name="Текст 3">
             <a:extLst>
               <a:ext uri="{FF2B5EF4-FFF2-40B4-BE49-F238E27FC236}">
-                <a16:creationId xmlns:a16="http://schemas.microsoft.com/office/drawing/2014/main" id="{736A41C1-C468-4202-A268-42524C6DB1C4}"/>
+                <a16:creationId xmlns:a16="http://schemas.microsoft.com/office/drawing/2014/main" id="{2AC56970-928E-DD4B-6077-64FB7A9F454A}"/>
               </a:ext>
             </a:extLst>
           </p:cNvPr>
@@ -2359,7 +2364,7 @@
           <p:cNvPr id="5" name="Дата 4">
             <a:extLst>
               <a:ext uri="{FF2B5EF4-FFF2-40B4-BE49-F238E27FC236}">
-                <a16:creationId xmlns:a16="http://schemas.microsoft.com/office/drawing/2014/main" id="{75CE09BE-8B88-A094-21B5-76A69F184952}"/>
+                <a16:creationId xmlns:a16="http://schemas.microsoft.com/office/drawing/2014/main" id="{0F0F2101-0F99-466A-7267-7FDE2A2C5801}"/>
               </a:ext>
             </a:extLst>
           </p:cNvPr>
@@ -2377,7 +2382,7 @@
           <a:p>
             <a:fld id="{1E5F7F0F-5162-4C21-B583-CDF000B678EF}" type="datetimeFigureOut">
               <a:rPr lang="ru-RU" smtClean="0"/>
-              <a:t>02.10.2024</a:t>
+              <a:t>03.10.2024</a:t>
             </a:fld>
             <a:endParaRPr lang="ru-RU"/>
           </a:p>
@@ -2388,7 +2393,7 @@
           <p:cNvPr id="6" name="Нижний колонтитул 5">
             <a:extLst>
               <a:ext uri="{FF2B5EF4-FFF2-40B4-BE49-F238E27FC236}">
-                <a16:creationId xmlns:a16="http://schemas.microsoft.com/office/drawing/2014/main" id="{87641001-6086-5A04-B7A9-6B2BB88A9FBB}"/>
+                <a16:creationId xmlns:a16="http://schemas.microsoft.com/office/drawing/2014/main" id="{41B072B9-5EBE-3B2E-1E50-430D19FB6C65}"/>
               </a:ext>
             </a:extLst>
           </p:cNvPr>
@@ -2413,7 +2418,7 @@
           <p:cNvPr id="7" name="Номер слайда 6">
             <a:extLst>
               <a:ext uri="{FF2B5EF4-FFF2-40B4-BE49-F238E27FC236}">
-                <a16:creationId xmlns:a16="http://schemas.microsoft.com/office/drawing/2014/main" id="{EE7D841F-0BAB-22C5-19E8-6382AB48DE7D}"/>
+                <a16:creationId xmlns:a16="http://schemas.microsoft.com/office/drawing/2014/main" id="{91C4C159-3A42-F664-A477-2D9507F52F5E}"/>
               </a:ext>
             </a:extLst>
           </p:cNvPr>
@@ -2440,7 +2445,7 @@
     </p:spTree>
     <p:extLst>
       <p:ext uri="{BB962C8B-B14F-4D97-AF65-F5344CB8AC3E}">
-        <p14:creationId xmlns:p14="http://schemas.microsoft.com/office/powerpoint/2010/main" val="1035613572"/>
+        <p14:creationId xmlns:p14="http://schemas.microsoft.com/office/powerpoint/2010/main" val="1930343556"/>
       </p:ext>
     </p:extLst>
   </p:cSld>
@@ -2472,7 +2477,7 @@
           <p:cNvPr id="2" name="Заголовок 1">
             <a:extLst>
               <a:ext uri="{FF2B5EF4-FFF2-40B4-BE49-F238E27FC236}">
-                <a16:creationId xmlns:a16="http://schemas.microsoft.com/office/drawing/2014/main" id="{933A5F1D-6E32-A699-8DFB-7A1A80A6BFC2}"/>
+                <a16:creationId xmlns:a16="http://schemas.microsoft.com/office/drawing/2014/main" id="{691BA201-27F5-DB2B-0BA3-99EC88857EA0}"/>
               </a:ext>
             </a:extLst>
           </p:cNvPr>
@@ -2509,7 +2514,7 @@
           <p:cNvPr id="3" name="Рисунок 2">
             <a:extLst>
               <a:ext uri="{FF2B5EF4-FFF2-40B4-BE49-F238E27FC236}">
-                <a16:creationId xmlns:a16="http://schemas.microsoft.com/office/drawing/2014/main" id="{546B7C9D-72F5-C507-7E61-17C5C3CE53C4}"/>
+                <a16:creationId xmlns:a16="http://schemas.microsoft.com/office/drawing/2014/main" id="{BD195037-6523-784B-C82D-1F11506DE52E}"/>
               </a:ext>
             </a:extLst>
           </p:cNvPr>
@@ -2576,7 +2581,7 @@
           <p:cNvPr id="4" name="Текст 3">
             <a:extLst>
               <a:ext uri="{FF2B5EF4-FFF2-40B4-BE49-F238E27FC236}">
-                <a16:creationId xmlns:a16="http://schemas.microsoft.com/office/drawing/2014/main" id="{08EA3B3E-2732-6419-4A74-AFD899FA42C1}"/>
+                <a16:creationId xmlns:a16="http://schemas.microsoft.com/office/drawing/2014/main" id="{977AB92B-2A4E-EC2B-A4B1-93FC09C7933E}"/>
               </a:ext>
             </a:extLst>
           </p:cNvPr>
@@ -2647,7 +2652,7 @@
           <p:cNvPr id="5" name="Дата 4">
             <a:extLst>
               <a:ext uri="{FF2B5EF4-FFF2-40B4-BE49-F238E27FC236}">
-                <a16:creationId xmlns:a16="http://schemas.microsoft.com/office/drawing/2014/main" id="{B8D63691-5455-86E4-20F3-EC86835B8BA2}"/>
+                <a16:creationId xmlns:a16="http://schemas.microsoft.com/office/drawing/2014/main" id="{2822B3BC-A108-F2CC-923A-512DF02E11B5}"/>
               </a:ext>
             </a:extLst>
           </p:cNvPr>
@@ -2665,7 +2670,7 @@
           <a:p>
             <a:fld id="{1E5F7F0F-5162-4C21-B583-CDF000B678EF}" type="datetimeFigureOut">
               <a:rPr lang="ru-RU" smtClean="0"/>
-              <a:t>02.10.2024</a:t>
+              <a:t>03.10.2024</a:t>
             </a:fld>
             <a:endParaRPr lang="ru-RU"/>
           </a:p>
@@ -2676,7 +2681,7 @@
           <p:cNvPr id="6" name="Нижний колонтитул 5">
             <a:extLst>
               <a:ext uri="{FF2B5EF4-FFF2-40B4-BE49-F238E27FC236}">
-                <a16:creationId xmlns:a16="http://schemas.microsoft.com/office/drawing/2014/main" id="{905C9704-37F6-8BB3-5A33-09AAB43B218F}"/>
+                <a16:creationId xmlns:a16="http://schemas.microsoft.com/office/drawing/2014/main" id="{9BE3DCDB-7885-4494-9B86-5610623AEBBE}"/>
               </a:ext>
             </a:extLst>
           </p:cNvPr>
@@ -2701,7 +2706,7 @@
           <p:cNvPr id="7" name="Номер слайда 6">
             <a:extLst>
               <a:ext uri="{FF2B5EF4-FFF2-40B4-BE49-F238E27FC236}">
-                <a16:creationId xmlns:a16="http://schemas.microsoft.com/office/drawing/2014/main" id="{03A6A24E-C608-1681-FE47-AC2188C81744}"/>
+                <a16:creationId xmlns:a16="http://schemas.microsoft.com/office/drawing/2014/main" id="{1BF32D51-3249-D298-10A8-41FB4C95175D}"/>
               </a:ext>
             </a:extLst>
           </p:cNvPr>
@@ -2728,7 +2733,7 @@
     </p:spTree>
     <p:extLst>
       <p:ext uri="{BB962C8B-B14F-4D97-AF65-F5344CB8AC3E}">
-        <p14:creationId xmlns:p14="http://schemas.microsoft.com/office/powerpoint/2010/main" val="435598760"/>
+        <p14:creationId xmlns:p14="http://schemas.microsoft.com/office/powerpoint/2010/main" val="3275881770"/>
       </p:ext>
     </p:extLst>
   </p:cSld>
@@ -2765,7 +2770,7 @@
           <p:cNvPr id="2" name="Заголовок 1">
             <a:extLst>
               <a:ext uri="{FF2B5EF4-FFF2-40B4-BE49-F238E27FC236}">
-                <a16:creationId xmlns:a16="http://schemas.microsoft.com/office/drawing/2014/main" id="{49C8D6F1-3FD3-2513-2674-29A024ACE063}"/>
+                <a16:creationId xmlns:a16="http://schemas.microsoft.com/office/drawing/2014/main" id="{3D197D03-2C1C-B704-7066-0B4E1A4AFEE0}"/>
               </a:ext>
             </a:extLst>
           </p:cNvPr>
@@ -2803,7 +2808,7 @@
           <p:cNvPr id="3" name="Текст 2">
             <a:extLst>
               <a:ext uri="{FF2B5EF4-FFF2-40B4-BE49-F238E27FC236}">
-                <a16:creationId xmlns:a16="http://schemas.microsoft.com/office/drawing/2014/main" id="{8BA47E70-3C45-516C-A92E-5B175EC56DC2}"/>
+                <a16:creationId xmlns:a16="http://schemas.microsoft.com/office/drawing/2014/main" id="{21DD1748-3EB6-EAA0-7F93-F38C09A8AB6E}"/>
               </a:ext>
             </a:extLst>
           </p:cNvPr>
@@ -2870,7 +2875,7 @@
           <p:cNvPr id="4" name="Дата 3">
             <a:extLst>
               <a:ext uri="{FF2B5EF4-FFF2-40B4-BE49-F238E27FC236}">
-                <a16:creationId xmlns:a16="http://schemas.microsoft.com/office/drawing/2014/main" id="{97DC76DB-1F60-3C39-C2BC-B43D1E72107F}"/>
+                <a16:creationId xmlns:a16="http://schemas.microsoft.com/office/drawing/2014/main" id="{BAA2C0AB-C517-70D3-0F40-4B743111FA5D}"/>
               </a:ext>
             </a:extLst>
           </p:cNvPr>
@@ -2906,7 +2911,7 @@
           <a:p>
             <a:fld id="{1E5F7F0F-5162-4C21-B583-CDF000B678EF}" type="datetimeFigureOut">
               <a:rPr lang="ru-RU" smtClean="0"/>
-              <a:t>02.10.2024</a:t>
+              <a:t>03.10.2024</a:t>
             </a:fld>
             <a:endParaRPr lang="ru-RU"/>
           </a:p>
@@ -2917,7 +2922,7 @@
           <p:cNvPr id="5" name="Нижний колонтитул 4">
             <a:extLst>
               <a:ext uri="{FF2B5EF4-FFF2-40B4-BE49-F238E27FC236}">
-                <a16:creationId xmlns:a16="http://schemas.microsoft.com/office/drawing/2014/main" id="{AFF7364F-5E8D-72FA-118C-5F041BCA3340}"/>
+                <a16:creationId xmlns:a16="http://schemas.microsoft.com/office/drawing/2014/main" id="{678C22D8-687B-EE28-9A86-1976DC8EBA73}"/>
               </a:ext>
             </a:extLst>
           </p:cNvPr>
@@ -2960,7 +2965,7 @@
           <p:cNvPr id="6" name="Номер слайда 5">
             <a:extLst>
               <a:ext uri="{FF2B5EF4-FFF2-40B4-BE49-F238E27FC236}">
-                <a16:creationId xmlns:a16="http://schemas.microsoft.com/office/drawing/2014/main" id="{FF98BF12-6A55-4893-4850-2F97F2D98B36}"/>
+                <a16:creationId xmlns:a16="http://schemas.microsoft.com/office/drawing/2014/main" id="{252D95F7-4A14-5AC6-9F04-2A45C3088566}"/>
               </a:ext>
             </a:extLst>
           </p:cNvPr>
@@ -3005,23 +3010,23 @@
     </p:spTree>
     <p:extLst>
       <p:ext uri="{BB962C8B-B14F-4D97-AF65-F5344CB8AC3E}">
-        <p14:creationId xmlns:p14="http://schemas.microsoft.com/office/powerpoint/2010/main" val="2407089892"/>
+        <p14:creationId xmlns:p14="http://schemas.microsoft.com/office/powerpoint/2010/main" val="2258116966"/>
       </p:ext>
     </p:extLst>
   </p:cSld>
   <p:clrMap bg1="lt1" tx1="dk1" bg2="lt2" tx2="dk2" accent1="accent1" accent2="accent2" accent3="accent3" accent4="accent4" accent5="accent5" accent6="accent6" hlink="hlink" folHlink="folHlink"/>
   <p:sldLayoutIdLst>
-    <p:sldLayoutId id="2147483649" r:id="rId1"/>
-    <p:sldLayoutId id="2147483650" r:id="rId2"/>
-    <p:sldLayoutId id="2147483651" r:id="rId3"/>
-    <p:sldLayoutId id="2147483652" r:id="rId4"/>
-    <p:sldLayoutId id="2147483653" r:id="rId5"/>
-    <p:sldLayoutId id="2147483654" r:id="rId6"/>
-    <p:sldLayoutId id="2147483655" r:id="rId7"/>
-    <p:sldLayoutId id="2147483656" r:id="rId8"/>
-    <p:sldLayoutId id="2147483657" r:id="rId9"/>
-    <p:sldLayoutId id="2147483658" r:id="rId10"/>
-    <p:sldLayoutId id="2147483659" r:id="rId11"/>
+    <p:sldLayoutId id="2147483715" r:id="rId1"/>
+    <p:sldLayoutId id="2147483716" r:id="rId2"/>
+    <p:sldLayoutId id="2147483717" r:id="rId3"/>
+    <p:sldLayoutId id="2147483718" r:id="rId4"/>
+    <p:sldLayoutId id="2147483719" r:id="rId5"/>
+    <p:sldLayoutId id="2147483720" r:id="rId6"/>
+    <p:sldLayoutId id="2147483721" r:id="rId7"/>
+    <p:sldLayoutId id="2147483722" r:id="rId8"/>
+    <p:sldLayoutId id="2147483723" r:id="rId9"/>
+    <p:sldLayoutId id="2147483724" r:id="rId10"/>
+    <p:sldLayoutId id="2147483725" r:id="rId11"/>
   </p:sldLayoutIdLst>
   <p:txStyles>
     <p:titleStyle>
@@ -3374,7 +3379,9 @@
         </p:nvSpPr>
         <p:spPr/>
         <p:txBody>
-          <a:bodyPr/>
+          <a:bodyPr>
+            <a:normAutofit/>
+          </a:bodyPr>
           <a:lstStyle/>
           <a:p>
             <a:r>
@@ -3459,19 +3466,17 @@
       </p:sp>
       <p:pic>
         <p:nvPicPr>
-          <p:cNvPr id="5" name="Объект 4">
-            <a:extLst>
-              <a:ext uri="{FF2B5EF4-FFF2-40B4-BE49-F238E27FC236}">
-                <a16:creationId xmlns:a16="http://schemas.microsoft.com/office/drawing/2014/main" id="{F2C9137D-BEA0-03BD-A22A-A194798F0F0D}"/>
+          <p:cNvPr id="9" name="Рисунок 8">
+            <a:extLst>
+              <a:ext uri="{FF2B5EF4-FFF2-40B4-BE49-F238E27FC236}">
+                <a16:creationId xmlns:a16="http://schemas.microsoft.com/office/drawing/2014/main" id="{D3056FBE-6404-9D1F-FE22-EBD9C26E2EAB}"/>
               </a:ext>
             </a:extLst>
           </p:cNvPr>
           <p:cNvPicPr>
-            <a:picLocks noGrp="1" noChangeAspect="1"/>
+            <a:picLocks noChangeAspect="1"/>
           </p:cNvPicPr>
-          <p:nvPr>
-            <p:ph idx="1"/>
-          </p:nvPr>
+          <p:nvPr/>
         </p:nvPicPr>
         <p:blipFill>
           <a:blip r:embed="rId2"/>
@@ -3481,9 +3486,12 @@
         </p:blipFill>
         <p:spPr>
           <a:xfrm>
-            <a:off x="2644606" y="1430338"/>
-            <a:ext cx="6902788" cy="4989034"/>
+            <a:off x="2601816" y="1433297"/>
+            <a:ext cx="6988368" cy="5059578"/>
           </a:xfrm>
+          <a:prstGeom prst="rect">
+            <a:avLst/>
+          </a:prstGeom>
         </p:spPr>
       </p:pic>
     </p:spTree>
